--- a/23주차-델파이 출력물/코드리뷰 DELPHI QuickReport 설명.pptx
+++ b/23주차-델파이 출력물/코드리뷰 DELPHI QuickReport 설명.pptx
@@ -199,7 +199,7 @@
             <a:fld id="{3CC0D901-E768-4405-866F-399C00B82D4E}" type="datetimeFigureOut">
               <a:rPr lang="ko-KR" altLang="en-US" smtClean="0"/>
               <a:pPr/>
-              <a:t>2020-07-24</a:t>
+              <a:t>2020-07-31</a:t>
             </a:fld>
             <a:endParaRPr lang="ko-KR" altLang="en-US"/>
           </a:p>
@@ -1751,7 +1751,7 @@
             <a:fld id="{665935E8-ED57-443E-9DD0-68293D8CC6CA}" type="datetimeFigureOut">
               <a:rPr lang="ko-KR" altLang="en-US" smtClean="0"/>
               <a:pPr/>
-              <a:t>2020-07-24</a:t>
+              <a:t>2020-07-31</a:t>
             </a:fld>
             <a:endParaRPr lang="ko-KR" altLang="en-US"/>
           </a:p>
@@ -1936,7 +1936,7 @@
             <a:fld id="{665935E8-ED57-443E-9DD0-68293D8CC6CA}" type="datetimeFigureOut">
               <a:rPr lang="ko-KR" altLang="en-US" smtClean="0"/>
               <a:pPr/>
-              <a:t>2020-07-24</a:t>
+              <a:t>2020-07-31</a:t>
             </a:fld>
             <a:endParaRPr lang="ko-KR" altLang="en-US"/>
           </a:p>
@@ -2111,7 +2111,7 @@
             <a:fld id="{665935E8-ED57-443E-9DD0-68293D8CC6CA}" type="datetimeFigureOut">
               <a:rPr lang="ko-KR" altLang="en-US" smtClean="0"/>
               <a:pPr/>
-              <a:t>2020-07-24</a:t>
+              <a:t>2020-07-31</a:t>
             </a:fld>
             <a:endParaRPr lang="ko-KR" altLang="en-US"/>
           </a:p>
@@ -2362,7 +2362,7 @@
             <a:fld id="{665935E8-ED57-443E-9DD0-68293D8CC6CA}" type="datetimeFigureOut">
               <a:rPr lang="ko-KR" altLang="en-US" smtClean="0"/>
               <a:pPr/>
-              <a:t>2020-07-24</a:t>
+              <a:t>2020-07-31</a:t>
             </a:fld>
             <a:endParaRPr lang="ko-KR" altLang="en-US"/>
           </a:p>
@@ -2655,7 +2655,7 @@
             <a:fld id="{665935E8-ED57-443E-9DD0-68293D8CC6CA}" type="datetimeFigureOut">
               <a:rPr lang="ko-KR" altLang="en-US" smtClean="0"/>
               <a:pPr/>
-              <a:t>2020-07-24</a:t>
+              <a:t>2020-07-31</a:t>
             </a:fld>
             <a:endParaRPr lang="ko-KR" altLang="en-US"/>
           </a:p>
@@ -3082,7 +3082,7 @@
             <a:fld id="{665935E8-ED57-443E-9DD0-68293D8CC6CA}" type="datetimeFigureOut">
               <a:rPr lang="ko-KR" altLang="en-US" smtClean="0"/>
               <a:pPr/>
-              <a:t>2020-07-24</a:t>
+              <a:t>2020-07-31</a:t>
             </a:fld>
             <a:endParaRPr lang="ko-KR" altLang="en-US"/>
           </a:p>
@@ -3205,7 +3205,7 @@
             <a:fld id="{665935E8-ED57-443E-9DD0-68293D8CC6CA}" type="datetimeFigureOut">
               <a:rPr lang="ko-KR" altLang="en-US" smtClean="0"/>
               <a:pPr/>
-              <a:t>2020-07-24</a:t>
+              <a:t>2020-07-31</a:t>
             </a:fld>
             <a:endParaRPr lang="ko-KR" altLang="en-US"/>
           </a:p>
@@ -3305,7 +3305,7 @@
             <a:fld id="{665935E8-ED57-443E-9DD0-68293D8CC6CA}" type="datetimeFigureOut">
               <a:rPr lang="ko-KR" altLang="en-US" smtClean="0"/>
               <a:pPr/>
-              <a:t>2020-07-24</a:t>
+              <a:t>2020-07-31</a:t>
             </a:fld>
             <a:endParaRPr lang="ko-KR" altLang="en-US"/>
           </a:p>
@@ -3587,7 +3587,7 @@
             <a:fld id="{665935E8-ED57-443E-9DD0-68293D8CC6CA}" type="datetimeFigureOut">
               <a:rPr lang="ko-KR" altLang="en-US" smtClean="0"/>
               <a:pPr/>
-              <a:t>2020-07-24</a:t>
+              <a:t>2020-07-31</a:t>
             </a:fld>
             <a:endParaRPr lang="ko-KR" altLang="en-US"/>
           </a:p>
@@ -3845,7 +3845,7 @@
             <a:fld id="{665935E8-ED57-443E-9DD0-68293D8CC6CA}" type="datetimeFigureOut">
               <a:rPr lang="ko-KR" altLang="en-US" smtClean="0"/>
               <a:pPr/>
-              <a:t>2020-07-24</a:t>
+              <a:t>2020-07-31</a:t>
             </a:fld>
             <a:endParaRPr lang="ko-KR" altLang="en-US"/>
           </a:p>
@@ -4063,7 +4063,7 @@
             <a:fld id="{665935E8-ED57-443E-9DD0-68293D8CC6CA}" type="datetimeFigureOut">
               <a:rPr lang="ko-KR" altLang="en-US" smtClean="0"/>
               <a:pPr/>
-              <a:t>2020-07-24</a:t>
+              <a:t>2020-07-31</a:t>
             </a:fld>
             <a:endParaRPr lang="ko-KR" altLang="en-US" dirty="0"/>
           </a:p>
@@ -4478,11 +4478,25 @@
           <a:lstStyle/>
           <a:p>
             <a:r>
+              <a:rPr lang="en-US" altLang="ko-KR" sz="4800" smtClean="0">
+                <a:latin typeface="+mj-ea"/>
+                <a:ea typeface="+mj-ea"/>
+              </a:rPr>
+              <a:t>DELPHI </a:t>
+            </a:r>
+            <a:r>
+              <a:rPr lang="en-US" altLang="ko-KR" sz="4800" smtClean="0">
+                <a:latin typeface="+mj-ea"/>
+                <a:ea typeface="+mj-ea"/>
+              </a:rPr>
+              <a:t>   </a:t>
+            </a:r>
+            <a:r>
               <a:rPr lang="en-US" altLang="ko-KR" sz="4800" dirty="0" smtClean="0">
                 <a:latin typeface="+mj-ea"/>
                 <a:ea typeface="+mj-ea"/>
               </a:rPr>
-              <a:t>DELPHI </a:t>
+              <a:t/>
             </a:r>
             <a:br>
               <a:rPr lang="en-US" altLang="ko-KR" sz="4800" dirty="0" smtClean="0">
@@ -9786,13 +9800,6 @@
               </a:rPr>
               <a:t>To be Continued</a:t>
             </a:r>
-            <a:endParaRPr lang="en-US" altLang="ko-KR" sz="4800" dirty="0" smtClean="0">
-              <a:solidFill>
-                <a:srgbClr val="1D62F0"/>
-              </a:solidFill>
-              <a:latin typeface="나눔고딕 ExtraBold" pitchFamily="50" charset="-127"/>
-              <a:ea typeface="나눔고딕 ExtraBold" pitchFamily="50" charset="-127"/>
-            </a:endParaRPr>
           </a:p>
         </p:txBody>
       </p:sp>
